--- a/2021년 8월 14일 도면해석자동화.pptx
+++ b/2021년 8월 14일 도면해석자동화.pptx
@@ -119,7 +119,7 @@
   </p:defaultTextStyle>
   <p:extLst>
     <p:ext uri="{EFAFB233-063F-42B5-8137-9DF3F51BA10A}">
-      <p15:sldGuideLst xmlns="" xmlns:p15="http://schemas.microsoft.com/office/powerpoint/2012/main">
+      <p15:sldGuideLst xmlns:p15="http://schemas.microsoft.com/office/powerpoint/2012/main" xmlns="">
         <p15:guide id="1" orient="horz" pos="2183" userDrawn="1">
           <p15:clr>
             <a:srgbClr val="A4A3A4"/>
@@ -219,7 +219,7 @@
             <a:fld id="{6A362C80-AE36-4E76-B3A2-B93715BD75DF}" type="datetimeFigureOut">
               <a:rPr lang="ko-KR" altLang="en-US" smtClean="0"/>
               <a:pPr/>
-              <a:t>2021-08-13</a:t>
+              <a:t>2021-08-14</a:t>
             </a:fld>
             <a:endParaRPr lang="ko-KR" altLang="en-US"/>
           </a:p>
@@ -615,7 +615,7 @@
             <a:fld id="{3AC7D0C1-D5FE-48CB-AEB6-E9E3D1C2E343}" type="datetimeFigureOut">
               <a:rPr lang="ko-KR" altLang="en-US" smtClean="0"/>
               <a:pPr/>
-              <a:t>2021-08-13</a:t>
+              <a:t>2021-08-14</a:t>
             </a:fld>
             <a:endParaRPr lang="ko-KR" altLang="en-US"/>
           </a:p>
@@ -667,7 +667,7 @@
     </p:spTree>
     <p:extLst>
       <p:ext uri="{BB962C8B-B14F-4D97-AF65-F5344CB8AC3E}">
-        <p14:creationId xmlns="" xmlns:p14="http://schemas.microsoft.com/office/powerpoint/2010/main" val="1823638458"/>
+        <p14:creationId xmlns:p14="http://schemas.microsoft.com/office/powerpoint/2010/main" xmlns="" val="1823638458"/>
       </p:ext>
     </p:extLst>
   </p:cSld>
@@ -785,7 +785,7 @@
             <a:fld id="{3AC7D0C1-D5FE-48CB-AEB6-E9E3D1C2E343}" type="datetimeFigureOut">
               <a:rPr lang="ko-KR" altLang="en-US" smtClean="0"/>
               <a:pPr/>
-              <a:t>2021-08-13</a:t>
+              <a:t>2021-08-14</a:t>
             </a:fld>
             <a:endParaRPr lang="ko-KR" altLang="en-US"/>
           </a:p>
@@ -837,7 +837,7 @@
     </p:spTree>
     <p:extLst>
       <p:ext uri="{BB962C8B-B14F-4D97-AF65-F5344CB8AC3E}">
-        <p14:creationId xmlns="" xmlns:p14="http://schemas.microsoft.com/office/powerpoint/2010/main" val="1781722897"/>
+        <p14:creationId xmlns:p14="http://schemas.microsoft.com/office/powerpoint/2010/main" xmlns="" val="1781722897"/>
       </p:ext>
     </p:extLst>
   </p:cSld>
@@ -965,7 +965,7 @@
             <a:fld id="{3AC7D0C1-D5FE-48CB-AEB6-E9E3D1C2E343}" type="datetimeFigureOut">
               <a:rPr lang="ko-KR" altLang="en-US" smtClean="0"/>
               <a:pPr/>
-              <a:t>2021-08-13</a:t>
+              <a:t>2021-08-14</a:t>
             </a:fld>
             <a:endParaRPr lang="ko-KR" altLang="en-US"/>
           </a:p>
@@ -1017,7 +1017,7 @@
     </p:spTree>
     <p:extLst>
       <p:ext uri="{BB962C8B-B14F-4D97-AF65-F5344CB8AC3E}">
-        <p14:creationId xmlns="" xmlns:p14="http://schemas.microsoft.com/office/powerpoint/2010/main" val="1329840432"/>
+        <p14:creationId xmlns:p14="http://schemas.microsoft.com/office/powerpoint/2010/main" xmlns="" val="1329840432"/>
       </p:ext>
     </p:extLst>
   </p:cSld>
@@ -1135,7 +1135,7 @@
             <a:fld id="{3AC7D0C1-D5FE-48CB-AEB6-E9E3D1C2E343}" type="datetimeFigureOut">
               <a:rPr lang="ko-KR" altLang="en-US" smtClean="0"/>
               <a:pPr/>
-              <a:t>2021-08-13</a:t>
+              <a:t>2021-08-14</a:t>
             </a:fld>
             <a:endParaRPr lang="ko-KR" altLang="en-US"/>
           </a:p>
@@ -1187,7 +1187,7 @@
     </p:spTree>
     <p:extLst>
       <p:ext uri="{BB962C8B-B14F-4D97-AF65-F5344CB8AC3E}">
-        <p14:creationId xmlns="" xmlns:p14="http://schemas.microsoft.com/office/powerpoint/2010/main" val="1416330142"/>
+        <p14:creationId xmlns:p14="http://schemas.microsoft.com/office/powerpoint/2010/main" xmlns="" val="1416330142"/>
       </p:ext>
     </p:extLst>
   </p:cSld>
@@ -1382,7 +1382,7 @@
             <a:fld id="{3AC7D0C1-D5FE-48CB-AEB6-E9E3D1C2E343}" type="datetimeFigureOut">
               <a:rPr lang="ko-KR" altLang="en-US" smtClean="0"/>
               <a:pPr/>
-              <a:t>2021-08-13</a:t>
+              <a:t>2021-08-14</a:t>
             </a:fld>
             <a:endParaRPr lang="ko-KR" altLang="en-US"/>
           </a:p>
@@ -1434,7 +1434,7 @@
     </p:spTree>
     <p:extLst>
       <p:ext uri="{BB962C8B-B14F-4D97-AF65-F5344CB8AC3E}">
-        <p14:creationId xmlns="" xmlns:p14="http://schemas.microsoft.com/office/powerpoint/2010/main" val="655722256"/>
+        <p14:creationId xmlns:p14="http://schemas.microsoft.com/office/powerpoint/2010/main" xmlns="" val="655722256"/>
       </p:ext>
     </p:extLst>
   </p:cSld>
@@ -1613,7 +1613,7 @@
             <a:fld id="{3AC7D0C1-D5FE-48CB-AEB6-E9E3D1C2E343}" type="datetimeFigureOut">
               <a:rPr lang="ko-KR" altLang="en-US" smtClean="0"/>
               <a:pPr/>
-              <a:t>2021-08-13</a:t>
+              <a:t>2021-08-14</a:t>
             </a:fld>
             <a:endParaRPr lang="ko-KR" altLang="en-US"/>
           </a:p>
@@ -1665,7 +1665,7 @@
     </p:spTree>
     <p:extLst>
       <p:ext uri="{BB962C8B-B14F-4D97-AF65-F5344CB8AC3E}">
-        <p14:creationId xmlns="" xmlns:p14="http://schemas.microsoft.com/office/powerpoint/2010/main" val="459837990"/>
+        <p14:creationId xmlns:p14="http://schemas.microsoft.com/office/powerpoint/2010/main" xmlns="" val="459837990"/>
       </p:ext>
     </p:extLst>
   </p:cSld>
@@ -1979,7 +1979,7 @@
             <a:fld id="{3AC7D0C1-D5FE-48CB-AEB6-E9E3D1C2E343}" type="datetimeFigureOut">
               <a:rPr lang="ko-KR" altLang="en-US" smtClean="0"/>
               <a:pPr/>
-              <a:t>2021-08-13</a:t>
+              <a:t>2021-08-14</a:t>
             </a:fld>
             <a:endParaRPr lang="ko-KR" altLang="en-US"/>
           </a:p>
@@ -2031,7 +2031,7 @@
     </p:spTree>
     <p:extLst>
       <p:ext uri="{BB962C8B-B14F-4D97-AF65-F5344CB8AC3E}">
-        <p14:creationId xmlns="" xmlns:p14="http://schemas.microsoft.com/office/powerpoint/2010/main" val="2641639093"/>
+        <p14:creationId xmlns:p14="http://schemas.microsoft.com/office/powerpoint/2010/main" xmlns="" val="2641639093"/>
       </p:ext>
     </p:extLst>
   </p:cSld>
@@ -2098,7 +2098,7 @@
             <a:fld id="{3AC7D0C1-D5FE-48CB-AEB6-E9E3D1C2E343}" type="datetimeFigureOut">
               <a:rPr lang="ko-KR" altLang="en-US" smtClean="0"/>
               <a:pPr/>
-              <a:t>2021-08-13</a:t>
+              <a:t>2021-08-14</a:t>
             </a:fld>
             <a:endParaRPr lang="ko-KR" altLang="en-US"/>
           </a:p>
@@ -2150,7 +2150,7 @@
     </p:spTree>
     <p:extLst>
       <p:ext uri="{BB962C8B-B14F-4D97-AF65-F5344CB8AC3E}">
-        <p14:creationId xmlns="" xmlns:p14="http://schemas.microsoft.com/office/powerpoint/2010/main" val="217537536"/>
+        <p14:creationId xmlns:p14="http://schemas.microsoft.com/office/powerpoint/2010/main" xmlns="" val="217537536"/>
       </p:ext>
     </p:extLst>
   </p:cSld>
@@ -2195,7 +2195,7 @@
             <a:fld id="{3AC7D0C1-D5FE-48CB-AEB6-E9E3D1C2E343}" type="datetimeFigureOut">
               <a:rPr lang="ko-KR" altLang="en-US" smtClean="0"/>
               <a:pPr/>
-              <a:t>2021-08-13</a:t>
+              <a:t>2021-08-14</a:t>
             </a:fld>
             <a:endParaRPr lang="ko-KR" altLang="en-US"/>
           </a:p>
@@ -2247,7 +2247,7 @@
     </p:spTree>
     <p:extLst>
       <p:ext uri="{BB962C8B-B14F-4D97-AF65-F5344CB8AC3E}">
-        <p14:creationId xmlns="" xmlns:p14="http://schemas.microsoft.com/office/powerpoint/2010/main" val="952981668"/>
+        <p14:creationId xmlns:p14="http://schemas.microsoft.com/office/powerpoint/2010/main" xmlns="" val="952981668"/>
       </p:ext>
     </p:extLst>
   </p:cSld>
@@ -2472,7 +2472,7 @@
             <a:fld id="{3AC7D0C1-D5FE-48CB-AEB6-E9E3D1C2E343}" type="datetimeFigureOut">
               <a:rPr lang="ko-KR" altLang="en-US" smtClean="0"/>
               <a:pPr/>
-              <a:t>2021-08-13</a:t>
+              <a:t>2021-08-14</a:t>
             </a:fld>
             <a:endParaRPr lang="ko-KR" altLang="en-US"/>
           </a:p>
@@ -2524,7 +2524,7 @@
     </p:spTree>
     <p:extLst>
       <p:ext uri="{BB962C8B-B14F-4D97-AF65-F5344CB8AC3E}">
-        <p14:creationId xmlns="" xmlns:p14="http://schemas.microsoft.com/office/powerpoint/2010/main" val="2227975819"/>
+        <p14:creationId xmlns:p14="http://schemas.microsoft.com/office/powerpoint/2010/main" xmlns="" val="2227975819"/>
       </p:ext>
     </p:extLst>
   </p:cSld>
@@ -2726,7 +2726,7 @@
             <a:fld id="{3AC7D0C1-D5FE-48CB-AEB6-E9E3D1C2E343}" type="datetimeFigureOut">
               <a:rPr lang="ko-KR" altLang="en-US" smtClean="0"/>
               <a:pPr/>
-              <a:t>2021-08-13</a:t>
+              <a:t>2021-08-14</a:t>
             </a:fld>
             <a:endParaRPr lang="ko-KR" altLang="en-US"/>
           </a:p>
@@ -2778,7 +2778,7 @@
     </p:spTree>
     <p:extLst>
       <p:ext uri="{BB962C8B-B14F-4D97-AF65-F5344CB8AC3E}">
-        <p14:creationId xmlns="" xmlns:p14="http://schemas.microsoft.com/office/powerpoint/2010/main" val="3028947436"/>
+        <p14:creationId xmlns:p14="http://schemas.microsoft.com/office/powerpoint/2010/main" xmlns="" val="3028947436"/>
       </p:ext>
     </p:extLst>
   </p:cSld>
@@ -2939,7 +2939,7 @@
             <a:fld id="{3AC7D0C1-D5FE-48CB-AEB6-E9E3D1C2E343}" type="datetimeFigureOut">
               <a:rPr lang="ko-KR" altLang="en-US" smtClean="0"/>
               <a:pPr/>
-              <a:t>2021-08-13</a:t>
+              <a:t>2021-08-14</a:t>
             </a:fld>
             <a:endParaRPr lang="ko-KR" altLang="en-US"/>
           </a:p>
@@ -3029,7 +3029,7 @@
           <p:cNvPr id="7" name="TextBox 6">
             <a:extLst>
               <a:ext uri="{FF2B5EF4-FFF2-40B4-BE49-F238E27FC236}">
-                <a16:creationId xmlns="" xmlns:a16="http://schemas.microsoft.com/office/drawing/2014/main" id="{691811B0-B48E-441A-87FD-055ECECA2FB0}"/>
+                <a16:creationId xmlns:a16="http://schemas.microsoft.com/office/drawing/2014/main" xmlns="" id="{691811B0-B48E-441A-87FD-055ECECA2FB0}"/>
               </a:ext>
             </a:extLst>
           </p:cNvPr>
@@ -3074,7 +3074,7 @@
     </p:spTree>
     <p:extLst>
       <p:ext uri="{BB962C8B-B14F-4D97-AF65-F5344CB8AC3E}">
-        <p14:creationId xmlns="" xmlns:p14="http://schemas.microsoft.com/office/powerpoint/2010/main" val="3455661240"/>
+        <p14:creationId xmlns:p14="http://schemas.microsoft.com/office/powerpoint/2010/main" xmlns="" val="3455661240"/>
       </p:ext>
     </p:extLst>
   </p:cSld>
@@ -3404,7 +3404,7 @@
           <a:blip r:embed="rId2" cstate="print">
             <a:extLst>
               <a:ext uri="{28A0092B-C50C-407E-A947-70E740481C1C}">
-                <a14:useLocalDpi xmlns="" xmlns:a14="http://schemas.microsoft.com/office/drawing/2010/main" val="0"/>
+                <a14:useLocalDpi xmlns:a14="http://schemas.microsoft.com/office/drawing/2010/main" xmlns="" val="0"/>
               </a:ext>
             </a:extLst>
           </a:blip>
@@ -3650,13 +3650,21 @@
     </p:spTree>
     <p:extLst>
       <p:ext uri="{BB962C8B-B14F-4D97-AF65-F5344CB8AC3E}">
-        <p14:creationId xmlns="" xmlns:p14="http://schemas.microsoft.com/office/powerpoint/2010/main" val="2239986084"/>
+        <p14:creationId xmlns:p14="http://schemas.microsoft.com/office/powerpoint/2010/main" xmlns="" val="2239986084"/>
       </p:ext>
     </p:extLst>
   </p:cSld>
   <p:clrMapOvr>
     <a:masterClrMapping/>
   </p:clrMapOvr>
+  <p:transition advTm="985"/>
+  <p:timing>
+    <p:tnLst>
+      <p:par>
+        <p:cTn id="1" dur="indefinite" restart="never" nodeType="tmRoot"/>
+      </p:par>
+    </p:tnLst>
+  </p:timing>
 </p:sld>
 </file>
 
@@ -4246,13 +4254,21 @@
     </p:spTree>
     <p:extLst>
       <p:ext uri="{BB962C8B-B14F-4D97-AF65-F5344CB8AC3E}">
-        <p14:creationId xmlns="" xmlns:p14="http://schemas.microsoft.com/office/powerpoint/2010/main" val="2689856561"/>
+        <p14:creationId xmlns:p14="http://schemas.microsoft.com/office/powerpoint/2010/main" xmlns="" val="2689856561"/>
       </p:ext>
     </p:extLst>
   </p:cSld>
   <p:clrMapOvr>
     <a:masterClrMapping/>
   </p:clrMapOvr>
+  <p:transition advTm="954"/>
+  <p:timing>
+    <p:tnLst>
+      <p:par>
+        <p:cTn id="1" dur="indefinite" restart="never" nodeType="tmRoot"/>
+      </p:par>
+    </p:tnLst>
+  </p:timing>
 </p:sld>
 </file>
 
@@ -4456,7 +4472,7 @@
           <p:cNvPr id="34" name="TextBox 33">
             <a:extLst>
               <a:ext uri="{FF2B5EF4-FFF2-40B4-BE49-F238E27FC236}">
-                <a16:creationId xmlns:a16="http://schemas.microsoft.com/office/drawing/2014/main" xmlns="" id="{D521CD57-7D52-4085-AA67-6293BD236F8A}"/>
+                <a16:creationId xmlns="" xmlns:a16="http://schemas.microsoft.com/office/drawing/2014/main" id="{D521CD57-7D52-4085-AA67-6293BD236F8A}"/>
               </a:ext>
             </a:extLst>
           </p:cNvPr>
@@ -5019,13 +5035,21 @@
     </p:spTree>
     <p:extLst>
       <p:ext uri="{BB962C8B-B14F-4D97-AF65-F5344CB8AC3E}">
-        <p14:creationId xmlns="" xmlns:p14="http://schemas.microsoft.com/office/powerpoint/2010/main" val="3168494829"/>
+        <p14:creationId xmlns:p14="http://schemas.microsoft.com/office/powerpoint/2010/main" xmlns="" val="3168494829"/>
       </p:ext>
     </p:extLst>
   </p:cSld>
   <p:clrMapOvr>
     <a:masterClrMapping/>
   </p:clrMapOvr>
+  <p:transition advTm="21531"/>
+  <p:timing>
+    <p:tnLst>
+      <p:par>
+        <p:cTn id="1" dur="indefinite" restart="never" nodeType="tmRoot"/>
+      </p:par>
+    </p:tnLst>
+  </p:timing>
 </p:sld>
 </file>
 
@@ -5066,7 +5090,7 @@
           <a:blip r:embed="rId2" cstate="print">
             <a:extLst>
               <a:ext uri="{28A0092B-C50C-407E-A947-70E740481C1C}">
-                <a14:useLocalDpi xmlns="" xmlns:a14="http://schemas.microsoft.com/office/drawing/2010/main" val="0"/>
+                <a14:useLocalDpi xmlns:a14="http://schemas.microsoft.com/office/drawing/2010/main" xmlns="" val="0"/>
               </a:ext>
             </a:extLst>
           </a:blip>
@@ -5670,13 +5694,21 @@
     </p:spTree>
     <p:extLst>
       <p:ext uri="{BB962C8B-B14F-4D97-AF65-F5344CB8AC3E}">
-        <p14:creationId xmlns="" xmlns:p14="http://schemas.microsoft.com/office/powerpoint/2010/main" val="2240109207"/>
+        <p14:creationId xmlns:p14="http://schemas.microsoft.com/office/powerpoint/2010/main" xmlns="" val="2240109207"/>
       </p:ext>
     </p:extLst>
   </p:cSld>
   <p:clrMapOvr>
     <a:masterClrMapping/>
   </p:clrMapOvr>
+  <p:transition advTm="610"/>
+  <p:timing>
+    <p:tnLst>
+      <p:par>
+        <p:cTn id="1" dur="indefinite" restart="never" nodeType="tmRoot"/>
+      </p:par>
+    </p:tnLst>
+  </p:timing>
 </p:sld>
 </file>
 
@@ -6250,13 +6282,21 @@
     </p:spTree>
     <p:extLst>
       <p:ext uri="{BB962C8B-B14F-4D97-AF65-F5344CB8AC3E}">
-        <p14:creationId xmlns="" xmlns:p14="http://schemas.microsoft.com/office/powerpoint/2010/main" val="2689856561"/>
+        <p14:creationId xmlns:p14="http://schemas.microsoft.com/office/powerpoint/2010/main" xmlns="" val="2689856561"/>
       </p:ext>
     </p:extLst>
   </p:cSld>
   <p:clrMapOvr>
     <a:masterClrMapping/>
   </p:clrMapOvr>
+  <p:transition advTm="453"/>
+  <p:timing>
+    <p:tnLst>
+      <p:par>
+        <p:cTn id="1" dur="indefinite" restart="never" nodeType="tmRoot"/>
+      </p:par>
+    </p:tnLst>
+  </p:timing>
 </p:sld>
 </file>
 
@@ -6460,7 +6500,7 @@
           <p:cNvPr id="34" name="TextBox 33">
             <a:extLst>
               <a:ext uri="{FF2B5EF4-FFF2-40B4-BE49-F238E27FC236}">
-                <a16:creationId xmlns:a16="http://schemas.microsoft.com/office/drawing/2014/main" xmlns="" id="{D521CD57-7D52-4085-AA67-6293BD236F8A}"/>
+                <a16:creationId xmlns="" xmlns:a16="http://schemas.microsoft.com/office/drawing/2014/main" id="{D521CD57-7D52-4085-AA67-6293BD236F8A}"/>
               </a:ext>
             </a:extLst>
           </p:cNvPr>
@@ -7181,7 +7221,7 @@
           <p:cNvPr id="29" name="TextBox 28">
             <a:extLst>
               <a:ext uri="{FF2B5EF4-FFF2-40B4-BE49-F238E27FC236}">
-                <a16:creationId xmlns:a16="http://schemas.microsoft.com/office/drawing/2014/main" xmlns="" id="{D521CD57-7D52-4085-AA67-6293BD236F8A}"/>
+                <a16:creationId xmlns="" xmlns:a16="http://schemas.microsoft.com/office/drawing/2014/main" id="{D521CD57-7D52-4085-AA67-6293BD236F8A}"/>
               </a:ext>
             </a:extLst>
           </p:cNvPr>
@@ -7266,13 +7306,21 @@
     </p:spTree>
     <p:extLst>
       <p:ext uri="{BB962C8B-B14F-4D97-AF65-F5344CB8AC3E}">
-        <p14:creationId xmlns="" xmlns:p14="http://schemas.microsoft.com/office/powerpoint/2010/main" val="3168494829"/>
+        <p14:creationId xmlns:p14="http://schemas.microsoft.com/office/powerpoint/2010/main" xmlns="" val="3168494829"/>
       </p:ext>
     </p:extLst>
   </p:cSld>
   <p:clrMapOvr>
     <a:masterClrMapping/>
   </p:clrMapOvr>
+  <p:transition advTm="43203"/>
+  <p:timing>
+    <p:tnLst>
+      <p:par>
+        <p:cTn id="1" dur="indefinite" restart="never" nodeType="tmRoot"/>
+      </p:par>
+    </p:tnLst>
+  </p:timing>
 </p:sld>
 </file>
 
@@ -7442,7 +7490,16 @@
                 </a:solidFill>
                 <a:latin typeface="+mj-ea"/>
               </a:rPr>
-              <a:t>구조평면도내의 </a:t>
+              <a:t>구조평면도내의 전체 </a:t>
+            </a:r>
+            <a:r>
+              <a:rPr lang="ko-KR" altLang="en-US" sz="3000" b="1" spc="-150" dirty="0" err="1" smtClean="0">
+                <a:solidFill>
+                  <a:schemeClr val="accent4"/>
+                </a:solidFill>
+                <a:latin typeface="+mj-ea"/>
+              </a:rPr>
+              <a:t>엔티티</a:t>
             </a:r>
             <a:r>
               <a:rPr lang="ko-KR" altLang="en-US" sz="3000" b="1" spc="-150" dirty="0" smtClean="0">
@@ -7451,34 +7508,7 @@
                 </a:solidFill>
                 <a:latin typeface="+mj-ea"/>
               </a:rPr>
-              <a:t>전체 </a:t>
-            </a:r>
-            <a:r>
-              <a:rPr lang="ko-KR" altLang="en-US" sz="3000" b="1" spc="-150" dirty="0" err="1" smtClean="0">
-                <a:solidFill>
-                  <a:schemeClr val="accent4"/>
-                </a:solidFill>
-                <a:latin typeface="+mj-ea"/>
-              </a:rPr>
-              <a:t>엔티티</a:t>
-            </a:r>
-            <a:r>
-              <a:rPr lang="ko-KR" altLang="en-US" sz="3000" b="1" spc="-150" dirty="0" smtClean="0">
-                <a:solidFill>
-                  <a:schemeClr val="accent4"/>
-                </a:solidFill>
-                <a:latin typeface="+mj-ea"/>
-              </a:rPr>
-              <a:t> </a:t>
-            </a:r>
-            <a:r>
-              <a:rPr lang="ko-KR" altLang="en-US" sz="3000" b="1" spc="-150" dirty="0" smtClean="0">
-                <a:solidFill>
-                  <a:schemeClr val="accent4"/>
-                </a:solidFill>
-                <a:latin typeface="+mj-ea"/>
-              </a:rPr>
-              <a:t>추출</a:t>
+              <a:t> 추출</a:t>
             </a:r>
             <a:endParaRPr lang="ko-KR" altLang="en-US" sz="3000" b="1" spc="-150" dirty="0">
               <a:solidFill>
@@ -7806,13 +7836,21 @@
     </p:spTree>
     <p:extLst>
       <p:ext uri="{BB962C8B-B14F-4D97-AF65-F5344CB8AC3E}">
-        <p14:creationId xmlns="" xmlns:p14="http://schemas.microsoft.com/office/powerpoint/2010/main" val="3168494829"/>
+        <p14:creationId xmlns:p14="http://schemas.microsoft.com/office/powerpoint/2010/main" xmlns="" val="3168494829"/>
       </p:ext>
     </p:extLst>
   </p:cSld>
   <p:clrMapOvr>
     <a:masterClrMapping/>
   </p:clrMapOvr>
+  <p:transition advTm="44828"/>
+  <p:timing>
+    <p:tnLst>
+      <p:par>
+        <p:cTn id="1" dur="indefinite" restart="never" nodeType="tmRoot"/>
+      </p:par>
+    </p:tnLst>
+  </p:timing>
 </p:sld>
 </file>
 
@@ -7982,7 +8020,16 @@
                 </a:solidFill>
                 <a:latin typeface="+mj-ea"/>
               </a:rPr>
-              <a:t>구조평면도내의 </a:t>
+              <a:t>구조평면도내의 전체 </a:t>
+            </a:r>
+            <a:r>
+              <a:rPr lang="ko-KR" altLang="en-US" sz="3000" b="1" spc="-150" dirty="0" err="1" smtClean="0">
+                <a:solidFill>
+                  <a:schemeClr val="accent4"/>
+                </a:solidFill>
+                <a:latin typeface="+mj-ea"/>
+              </a:rPr>
+              <a:t>엔티티</a:t>
             </a:r>
             <a:r>
               <a:rPr lang="ko-KR" altLang="en-US" sz="3000" b="1" spc="-150" dirty="0" smtClean="0">
@@ -7991,34 +8038,7 @@
                 </a:solidFill>
                 <a:latin typeface="+mj-ea"/>
               </a:rPr>
-              <a:t>전체 </a:t>
-            </a:r>
-            <a:r>
-              <a:rPr lang="ko-KR" altLang="en-US" sz="3000" b="1" spc="-150" dirty="0" err="1" smtClean="0">
-                <a:solidFill>
-                  <a:schemeClr val="accent4"/>
-                </a:solidFill>
-                <a:latin typeface="+mj-ea"/>
-              </a:rPr>
-              <a:t>엔티티</a:t>
-            </a:r>
-            <a:r>
-              <a:rPr lang="ko-KR" altLang="en-US" sz="3000" b="1" spc="-150" dirty="0" smtClean="0">
-                <a:solidFill>
-                  <a:schemeClr val="accent4"/>
-                </a:solidFill>
-                <a:latin typeface="+mj-ea"/>
-              </a:rPr>
-              <a:t> </a:t>
-            </a:r>
-            <a:r>
-              <a:rPr lang="ko-KR" altLang="en-US" sz="3000" b="1" spc="-150" dirty="0" smtClean="0">
-                <a:solidFill>
-                  <a:schemeClr val="accent4"/>
-                </a:solidFill>
-                <a:latin typeface="+mj-ea"/>
-              </a:rPr>
-              <a:t>추출</a:t>
+              <a:t> 추출</a:t>
             </a:r>
             <a:endParaRPr lang="ko-KR" altLang="en-US" sz="3000" b="1" spc="-150" dirty="0">
               <a:solidFill>
@@ -8204,7 +8224,7 @@
           <p:cNvPr id="43" name="TextBox 42">
             <a:extLst>
               <a:ext uri="{FF2B5EF4-FFF2-40B4-BE49-F238E27FC236}">
-                <a16:creationId xmlns:a16="http://schemas.microsoft.com/office/drawing/2014/main" xmlns="" id="{D521CD57-7D52-4085-AA67-6293BD236F8A}"/>
+                <a16:creationId xmlns="" xmlns:a16="http://schemas.microsoft.com/office/drawing/2014/main" id="{D521CD57-7D52-4085-AA67-6293BD236F8A}"/>
               </a:ext>
             </a:extLst>
           </p:cNvPr>
@@ -8337,13 +8357,21 @@
     </p:spTree>
     <p:extLst>
       <p:ext uri="{BB962C8B-B14F-4D97-AF65-F5344CB8AC3E}">
-        <p14:creationId xmlns="" xmlns:p14="http://schemas.microsoft.com/office/powerpoint/2010/main" val="3168494829"/>
+        <p14:creationId xmlns:p14="http://schemas.microsoft.com/office/powerpoint/2010/main" xmlns="" val="3168494829"/>
       </p:ext>
     </p:extLst>
   </p:cSld>
   <p:clrMapOvr>
     <a:masterClrMapping/>
   </p:clrMapOvr>
+  <p:transition advTm="17625"/>
+  <p:timing>
+    <p:tnLst>
+      <p:par>
+        <p:cTn id="1" dur="indefinite" restart="never" nodeType="tmRoot"/>
+      </p:par>
+    </p:tnLst>
+  </p:timing>
 </p:sld>
 </file>
 
@@ -8513,7 +8541,16 @@
                 </a:solidFill>
                 <a:latin typeface="+mj-ea"/>
               </a:rPr>
-              <a:t>구조평면도내의 </a:t>
+              <a:t>구조평면도내의 전체 </a:t>
+            </a:r>
+            <a:r>
+              <a:rPr lang="ko-KR" altLang="en-US" sz="3000" b="1" spc="-150" dirty="0" err="1" smtClean="0">
+                <a:solidFill>
+                  <a:schemeClr val="accent4"/>
+                </a:solidFill>
+                <a:latin typeface="+mj-ea"/>
+              </a:rPr>
+              <a:t>엔티티</a:t>
             </a:r>
             <a:r>
               <a:rPr lang="ko-KR" altLang="en-US" sz="3000" b="1" spc="-150" dirty="0" smtClean="0">
@@ -8522,34 +8559,7 @@
                 </a:solidFill>
                 <a:latin typeface="+mj-ea"/>
               </a:rPr>
-              <a:t>전체 </a:t>
-            </a:r>
-            <a:r>
-              <a:rPr lang="ko-KR" altLang="en-US" sz="3000" b="1" spc="-150" dirty="0" err="1" smtClean="0">
-                <a:solidFill>
-                  <a:schemeClr val="accent4"/>
-                </a:solidFill>
-                <a:latin typeface="+mj-ea"/>
-              </a:rPr>
-              <a:t>엔티티</a:t>
-            </a:r>
-            <a:r>
-              <a:rPr lang="ko-KR" altLang="en-US" sz="3000" b="1" spc="-150" dirty="0" smtClean="0">
-                <a:solidFill>
-                  <a:schemeClr val="accent4"/>
-                </a:solidFill>
-                <a:latin typeface="+mj-ea"/>
-              </a:rPr>
-              <a:t> </a:t>
-            </a:r>
-            <a:r>
-              <a:rPr lang="ko-KR" altLang="en-US" sz="3000" b="1" spc="-150" dirty="0" smtClean="0">
-                <a:solidFill>
-                  <a:schemeClr val="accent4"/>
-                </a:solidFill>
-                <a:latin typeface="+mj-ea"/>
-              </a:rPr>
-              <a:t>추출</a:t>
+              <a:t> 추출</a:t>
             </a:r>
             <a:endParaRPr lang="ko-KR" altLang="en-US" sz="3000" b="1" spc="-150" dirty="0">
               <a:solidFill>
@@ -8943,7 +8953,7 @@
           <p:cNvPr id="39" name="TextBox 38">
             <a:extLst>
               <a:ext uri="{FF2B5EF4-FFF2-40B4-BE49-F238E27FC236}">
-                <a16:creationId xmlns:a16="http://schemas.microsoft.com/office/drawing/2014/main" xmlns="" id="{D521CD57-7D52-4085-AA67-6293BD236F8A}"/>
+                <a16:creationId xmlns="" xmlns:a16="http://schemas.microsoft.com/office/drawing/2014/main" id="{D521CD57-7D52-4085-AA67-6293BD236F8A}"/>
               </a:ext>
             </a:extLst>
           </p:cNvPr>
@@ -9089,13 +9099,21 @@
     </p:spTree>
     <p:extLst>
       <p:ext uri="{BB962C8B-B14F-4D97-AF65-F5344CB8AC3E}">
-        <p14:creationId xmlns="" xmlns:p14="http://schemas.microsoft.com/office/powerpoint/2010/main" val="3168494829"/>
+        <p14:creationId xmlns:p14="http://schemas.microsoft.com/office/powerpoint/2010/main" xmlns="" val="3168494829"/>
       </p:ext>
     </p:extLst>
   </p:cSld>
   <p:clrMapOvr>
     <a:masterClrMapping/>
   </p:clrMapOvr>
+  <p:transition advTm="20765"/>
+  <p:timing>
+    <p:tnLst>
+      <p:par>
+        <p:cTn id="1" dur="indefinite" restart="never" nodeType="tmRoot"/>
+      </p:par>
+    </p:tnLst>
+  </p:timing>
 </p:sld>
 </file>
 
@@ -9299,7 +9317,7 @@
           <p:cNvPr id="48" name="TextBox 47">
             <a:extLst>
               <a:ext uri="{FF2B5EF4-FFF2-40B4-BE49-F238E27FC236}">
-                <a16:creationId xmlns:a16="http://schemas.microsoft.com/office/drawing/2014/main" xmlns="" id="{D521CD57-7D52-4085-AA67-6293BD236F8A}"/>
+                <a16:creationId xmlns="" xmlns:a16="http://schemas.microsoft.com/office/drawing/2014/main" id="{D521CD57-7D52-4085-AA67-6293BD236F8A}"/>
               </a:ext>
             </a:extLst>
           </p:cNvPr>
@@ -9554,13 +9572,21 @@
     </p:spTree>
     <p:extLst>
       <p:ext uri="{BB962C8B-B14F-4D97-AF65-F5344CB8AC3E}">
-        <p14:creationId xmlns="" xmlns:p14="http://schemas.microsoft.com/office/powerpoint/2010/main" val="3168494829"/>
+        <p14:creationId xmlns:p14="http://schemas.microsoft.com/office/powerpoint/2010/main" xmlns="" val="3168494829"/>
       </p:ext>
     </p:extLst>
   </p:cSld>
   <p:clrMapOvr>
     <a:masterClrMapping/>
   </p:clrMapOvr>
+  <p:transition advTm="33531"/>
+  <p:timing>
+    <p:tnLst>
+      <p:par>
+        <p:cTn id="1" dur="indefinite" restart="never" nodeType="tmRoot"/>
+      </p:par>
+    </p:tnLst>
+  </p:timing>
 </p:sld>
 </file>
 
@@ -9764,7 +9790,7 @@
           <p:cNvPr id="34" name="TextBox 33">
             <a:extLst>
               <a:ext uri="{FF2B5EF4-FFF2-40B4-BE49-F238E27FC236}">
-                <a16:creationId xmlns:a16="http://schemas.microsoft.com/office/drawing/2014/main" xmlns="" id="{D521CD57-7D52-4085-AA67-6293BD236F8A}"/>
+                <a16:creationId xmlns="" xmlns:a16="http://schemas.microsoft.com/office/drawing/2014/main" id="{D521CD57-7D52-4085-AA67-6293BD236F8A}"/>
               </a:ext>
             </a:extLst>
           </p:cNvPr>
@@ -9957,13 +9983,21 @@
     </p:spTree>
     <p:extLst>
       <p:ext uri="{BB962C8B-B14F-4D97-AF65-F5344CB8AC3E}">
-        <p14:creationId xmlns="" xmlns:p14="http://schemas.microsoft.com/office/powerpoint/2010/main" val="3168494829"/>
+        <p14:creationId xmlns:p14="http://schemas.microsoft.com/office/powerpoint/2010/main" xmlns="" val="3168494829"/>
       </p:ext>
     </p:extLst>
   </p:cSld>
   <p:clrMapOvr>
     <a:masterClrMapping/>
   </p:clrMapOvr>
+  <p:transition advTm="31375"/>
+  <p:timing>
+    <p:tnLst>
+      <p:par>
+        <p:cTn id="1" dur="indefinite" restart="never" nodeType="tmRoot"/>
+      </p:par>
+    </p:tnLst>
+  </p:timing>
 </p:sld>
 </file>
 
@@ -10195,7 +10229,7 @@
   <a:extraClrSchemeLst/>
   <a:extLst>
     <a:ext uri="{05A4C25C-085E-4340-85A3-A5531E510DB2}">
-      <thm15:themeFamily xmlns="" xmlns:thm15="http://schemas.microsoft.com/office/thememl/2012/main" name="Office Theme" id="{62F939B6-93AF-4DB8-9C6B-D6C7DFDC589F}" vid="{4A3C46E8-61CC-4603-A589-7422A47A8E4A}"/>
+      <thm15:themeFamily xmlns:thm15="http://schemas.microsoft.com/office/thememl/2012/main" xmlns="" name="Office Theme" id="{62F939B6-93AF-4DB8-9C6B-D6C7DFDC589F}" vid="{4A3C46E8-61CC-4603-A589-7422A47A8E4A}"/>
     </a:ext>
   </a:extLst>
 </a:theme>
